--- a/Файлы к аттестации/Итоговый проект.pptx
+++ b/Файлы к аттестации/Итоговый проект.pptx
@@ -10,7 +10,9 @@
     <p:sldId id="258" r:id="rId4"/>
     <p:sldId id="259" r:id="rId5"/>
     <p:sldId id="260" r:id="rId6"/>
-    <p:sldId id="261" r:id="rId7"/>
+    <p:sldId id="262" r:id="rId7"/>
+    <p:sldId id="264" r:id="rId8"/>
+    <p:sldId id="261" r:id="rId9"/>
   </p:sldIdLst>
   <p:sldSz cx="9144000" cy="6858000" type="screen4x3"/>
   <p:notesSz cx="6858000" cy="9144000"/>
@@ -293,7 +295,8 @@
           <a:p>
             <a:fld id="{768905E0-A135-4E91-842F-4217DDCA6CC9}" type="datetimeFigureOut">
               <a:rPr lang="ru-RU" smtClean="0"/>
-              <a:t>13.12.2022</a:t>
+              <a:pPr/>
+              <a:t>14.12.2022</a:t>
             </a:fld>
             <a:endParaRPr lang="ru-RU"/>
           </a:p>
@@ -335,6 +338,7 @@
           <a:p>
             <a:fld id="{296FA9A9-42E5-4582-A653-E02449F7AE07}" type="slidenum">
               <a:rPr lang="ru-RU" smtClean="0"/>
+              <a:pPr/>
               <a:t>‹#›</a:t>
             </a:fld>
             <a:endParaRPr lang="ru-RU"/>
@@ -458,7 +462,8 @@
           <a:p>
             <a:fld id="{768905E0-A135-4E91-842F-4217DDCA6CC9}" type="datetimeFigureOut">
               <a:rPr lang="ru-RU" smtClean="0"/>
-              <a:t>13.12.2022</a:t>
+              <a:pPr/>
+              <a:t>14.12.2022</a:t>
             </a:fld>
             <a:endParaRPr lang="ru-RU"/>
           </a:p>
@@ -500,6 +505,7 @@
           <a:p>
             <a:fld id="{296FA9A9-42E5-4582-A653-E02449F7AE07}" type="slidenum">
               <a:rPr lang="ru-RU" smtClean="0"/>
+              <a:pPr/>
               <a:t>‹#›</a:t>
             </a:fld>
             <a:endParaRPr lang="ru-RU"/>
@@ -633,7 +639,8 @@
           <a:p>
             <a:fld id="{768905E0-A135-4E91-842F-4217DDCA6CC9}" type="datetimeFigureOut">
               <a:rPr lang="ru-RU" smtClean="0"/>
-              <a:t>13.12.2022</a:t>
+              <a:pPr/>
+              <a:t>14.12.2022</a:t>
             </a:fld>
             <a:endParaRPr lang="ru-RU"/>
           </a:p>
@@ -675,6 +682,7 @@
           <a:p>
             <a:fld id="{296FA9A9-42E5-4582-A653-E02449F7AE07}" type="slidenum">
               <a:rPr lang="ru-RU" smtClean="0"/>
+              <a:pPr/>
               <a:t>‹#›</a:t>
             </a:fld>
             <a:endParaRPr lang="ru-RU"/>
@@ -798,7 +806,8 @@
           <a:p>
             <a:fld id="{768905E0-A135-4E91-842F-4217DDCA6CC9}" type="datetimeFigureOut">
               <a:rPr lang="ru-RU" smtClean="0"/>
-              <a:t>13.12.2022</a:t>
+              <a:pPr/>
+              <a:t>14.12.2022</a:t>
             </a:fld>
             <a:endParaRPr lang="ru-RU"/>
           </a:p>
@@ -840,6 +849,7 @@
           <a:p>
             <a:fld id="{296FA9A9-42E5-4582-A653-E02449F7AE07}" type="slidenum">
               <a:rPr lang="ru-RU" smtClean="0"/>
+              <a:pPr/>
               <a:t>‹#›</a:t>
             </a:fld>
             <a:endParaRPr lang="ru-RU"/>
@@ -1039,7 +1049,8 @@
           <a:p>
             <a:fld id="{768905E0-A135-4E91-842F-4217DDCA6CC9}" type="datetimeFigureOut">
               <a:rPr lang="ru-RU" smtClean="0"/>
-              <a:t>13.12.2022</a:t>
+              <a:pPr/>
+              <a:t>14.12.2022</a:t>
             </a:fld>
             <a:endParaRPr lang="ru-RU"/>
           </a:p>
@@ -1081,6 +1092,7 @@
           <a:p>
             <a:fld id="{296FA9A9-42E5-4582-A653-E02449F7AE07}" type="slidenum">
               <a:rPr lang="ru-RU" smtClean="0"/>
+              <a:pPr/>
               <a:t>‹#›</a:t>
             </a:fld>
             <a:endParaRPr lang="ru-RU"/>
@@ -1322,7 +1334,8 @@
           <a:p>
             <a:fld id="{768905E0-A135-4E91-842F-4217DDCA6CC9}" type="datetimeFigureOut">
               <a:rPr lang="ru-RU" smtClean="0"/>
-              <a:t>13.12.2022</a:t>
+              <a:pPr/>
+              <a:t>14.12.2022</a:t>
             </a:fld>
             <a:endParaRPr lang="ru-RU"/>
           </a:p>
@@ -1364,6 +1377,7 @@
           <a:p>
             <a:fld id="{296FA9A9-42E5-4582-A653-E02449F7AE07}" type="slidenum">
               <a:rPr lang="ru-RU" smtClean="0"/>
+              <a:pPr/>
               <a:t>‹#›</a:t>
             </a:fld>
             <a:endParaRPr lang="ru-RU"/>
@@ -1739,7 +1753,8 @@
           <a:p>
             <a:fld id="{768905E0-A135-4E91-842F-4217DDCA6CC9}" type="datetimeFigureOut">
               <a:rPr lang="ru-RU" smtClean="0"/>
-              <a:t>13.12.2022</a:t>
+              <a:pPr/>
+              <a:t>14.12.2022</a:t>
             </a:fld>
             <a:endParaRPr lang="ru-RU"/>
           </a:p>
@@ -1781,6 +1796,7 @@
           <a:p>
             <a:fld id="{296FA9A9-42E5-4582-A653-E02449F7AE07}" type="slidenum">
               <a:rPr lang="ru-RU" smtClean="0"/>
+              <a:pPr/>
               <a:t>‹#›</a:t>
             </a:fld>
             <a:endParaRPr lang="ru-RU"/>
@@ -1852,7 +1868,8 @@
           <a:p>
             <a:fld id="{768905E0-A135-4E91-842F-4217DDCA6CC9}" type="datetimeFigureOut">
               <a:rPr lang="ru-RU" smtClean="0"/>
-              <a:t>13.12.2022</a:t>
+              <a:pPr/>
+              <a:t>14.12.2022</a:t>
             </a:fld>
             <a:endParaRPr lang="ru-RU"/>
           </a:p>
@@ -1894,6 +1911,7 @@
           <a:p>
             <a:fld id="{296FA9A9-42E5-4582-A653-E02449F7AE07}" type="slidenum">
               <a:rPr lang="ru-RU" smtClean="0"/>
+              <a:pPr/>
               <a:t>‹#›</a:t>
             </a:fld>
             <a:endParaRPr lang="ru-RU"/>
@@ -1942,7 +1960,8 @@
           <a:p>
             <a:fld id="{768905E0-A135-4E91-842F-4217DDCA6CC9}" type="datetimeFigureOut">
               <a:rPr lang="ru-RU" smtClean="0"/>
-              <a:t>13.12.2022</a:t>
+              <a:pPr/>
+              <a:t>14.12.2022</a:t>
             </a:fld>
             <a:endParaRPr lang="ru-RU"/>
           </a:p>
@@ -1984,6 +2003,7 @@
           <a:p>
             <a:fld id="{296FA9A9-42E5-4582-A653-E02449F7AE07}" type="slidenum">
               <a:rPr lang="ru-RU" smtClean="0"/>
+              <a:pPr/>
               <a:t>‹#›</a:t>
             </a:fld>
             <a:endParaRPr lang="ru-RU"/>
@@ -2214,7 +2234,8 @@
           <a:p>
             <a:fld id="{768905E0-A135-4E91-842F-4217DDCA6CC9}" type="datetimeFigureOut">
               <a:rPr lang="ru-RU" smtClean="0"/>
-              <a:t>13.12.2022</a:t>
+              <a:pPr/>
+              <a:t>14.12.2022</a:t>
             </a:fld>
             <a:endParaRPr lang="ru-RU"/>
           </a:p>
@@ -2256,6 +2277,7 @@
           <a:p>
             <a:fld id="{296FA9A9-42E5-4582-A653-E02449F7AE07}" type="slidenum">
               <a:rPr lang="ru-RU" smtClean="0"/>
+              <a:pPr/>
               <a:t>‹#›</a:t>
             </a:fld>
             <a:endParaRPr lang="ru-RU"/>
@@ -2462,7 +2484,8 @@
           <a:p>
             <a:fld id="{768905E0-A135-4E91-842F-4217DDCA6CC9}" type="datetimeFigureOut">
               <a:rPr lang="ru-RU" smtClean="0"/>
-              <a:t>13.12.2022</a:t>
+              <a:pPr/>
+              <a:t>14.12.2022</a:t>
             </a:fld>
             <a:endParaRPr lang="ru-RU"/>
           </a:p>
@@ -2504,6 +2527,7 @@
           <a:p>
             <a:fld id="{296FA9A9-42E5-4582-A653-E02449F7AE07}" type="slidenum">
               <a:rPr lang="ru-RU" smtClean="0"/>
+              <a:pPr/>
               <a:t>‹#›</a:t>
             </a:fld>
             <a:endParaRPr lang="ru-RU"/>
@@ -2679,7 +2703,8 @@
           <a:p>
             <a:fld id="{768905E0-A135-4E91-842F-4217DDCA6CC9}" type="datetimeFigureOut">
               <a:rPr lang="ru-RU" smtClean="0"/>
-              <a:t>13.12.2022</a:t>
+              <a:pPr/>
+              <a:t>14.12.2022</a:t>
             </a:fld>
             <a:endParaRPr lang="ru-RU"/>
           </a:p>
@@ -2757,6 +2782,7 @@
           <a:p>
             <a:fld id="{296FA9A9-42E5-4582-A653-E02449F7AE07}" type="slidenum">
               <a:rPr lang="ru-RU" smtClean="0"/>
+              <a:pPr/>
               <a:t>‹#›</a:t>
             </a:fld>
             <a:endParaRPr lang="ru-RU"/>
@@ -3685,7 +3711,7 @@
       </p:sp>
       <p:pic>
         <p:nvPicPr>
-          <p:cNvPr id="1026" name="Picture 2" descr="F:\JavaProjects\final_project\Файлы к аттестации\ERD MODEL.png"/>
+          <p:cNvPr id="2050" name="Picture 2" descr="F:\JavaProjects\final_project\Файлы к аттестации\ERD MODEL.png"/>
           <p:cNvPicPr>
             <a:picLocks noChangeAspect="1" noChangeArrowheads="1"/>
           </p:cNvPicPr>
@@ -3700,8 +3726,8 @@
         </p:blipFill>
         <p:spPr bwMode="auto">
           <a:xfrm>
-            <a:off x="1043608" y="1124744"/>
-            <a:ext cx="6816190" cy="5322768"/>
+            <a:off x="1187624" y="980728"/>
+            <a:ext cx="6763460" cy="5632401"/>
           </a:xfrm>
           <a:prstGeom prst="rect">
             <a:avLst/>
@@ -3714,6 +3740,13 @@
   <p:clrMapOvr>
     <a:masterClrMapping/>
   </p:clrMapOvr>
+  <p:timing>
+    <p:tnLst>
+      <p:par>
+        <p:cTn id="1" dur="indefinite" restart="never" nodeType="tmRoot"/>
+      </p:par>
+    </p:tnLst>
+  </p:timing>
 </p:sld>
 </file>
 
@@ -4034,6 +4067,13 @@
   <p:clrMapOvr>
     <a:masterClrMapping/>
   </p:clrMapOvr>
+  <p:timing>
+    <p:tnLst>
+      <p:par>
+        <p:cTn id="1" dur="indefinite" restart="never" nodeType="tmRoot"/>
+      </p:par>
+    </p:tnLst>
+  </p:timing>
 </p:sld>
 </file>
 
@@ -4054,33 +4094,43 @@
           <a:chExt cx="0" cy="0"/>
         </a:xfrm>
       </p:grpSpPr>
-      <p:sp>
-        <p:nvSpPr>
-          <p:cNvPr id="2" name="Заголовок 1"/>
+      <p:pic>
+        <p:nvPicPr>
+          <p:cNvPr id="4" name="ScreenRecorderProject1.mkv">
+            <a:hlinkClick r:id="" action="ppaction://media"/>
+          </p:cNvPr>
+          <p:cNvPicPr>
+            <a:picLocks noGrp="1" noRot="1" noChangeAspect="1"/>
+          </p:cNvPicPr>
+          <p:nvPr>
+            <p:ph idx="1"/>
+            <a:videoFile r:link="rId1"/>
+          </p:nvPr>
+        </p:nvPicPr>
+        <p:blipFill>
+          <a:blip r:embed="rId3" cstate="print"/>
+          <a:stretch>
+            <a:fillRect/>
+          </a:stretch>
+        </p:blipFill>
+        <p:spPr>
+          <a:xfrm>
+            <a:off x="0" y="0"/>
+            <a:ext cx="9144000" cy="6858000"/>
+          </a:xfrm>
+          <a:prstGeom prst="rect">
+            <a:avLst/>
+          </a:prstGeom>
+        </p:spPr>
+      </p:pic>
+      <p:sp>
+        <p:nvSpPr>
+          <p:cNvPr id="5" name="Заголовок 4"/>
           <p:cNvSpPr>
             <a:spLocks noGrp="1"/>
           </p:cNvSpPr>
           <p:nvPr>
             <p:ph type="title"/>
-          </p:nvPr>
-        </p:nvSpPr>
-        <p:spPr/>
-        <p:txBody>
-          <a:bodyPr/>
-          <a:lstStyle/>
-          <a:p>
-            <a:endParaRPr lang="ru-RU" dirty="0"/>
-          </a:p>
-        </p:txBody>
-      </p:sp>
-      <p:sp>
-        <p:nvSpPr>
-          <p:cNvPr id="3" name="Содержимое 2"/>
-          <p:cNvSpPr>
-            <a:spLocks noGrp="1"/>
-          </p:cNvSpPr>
-          <p:nvPr>
-            <p:ph idx="1"/>
           </p:nvPr>
         </p:nvSpPr>
         <p:spPr/>
@@ -4097,6 +4147,157 @@
   <p:clrMapOvr>
     <a:masterClrMapping/>
   </p:clrMapOvr>
+  <p:transition spd="med"/>
+  <p:timing>
+    <p:tnLst>
+      <p:par>
+        <p:cTn id="1" dur="indefinite" restart="never" nodeType="tmRoot">
+          <p:childTnLst>
+            <p:seq concurrent="1" nextAc="seek">
+              <p:cTn id="2" dur="indefinite" nodeType="mainSeq">
+                <p:childTnLst>
+                  <p:par>
+                    <p:cTn id="3" fill="hold">
+                      <p:stCondLst>
+                        <p:cond delay="indefinite"/>
+                        <p:cond evt="onBegin" delay="0">
+                          <p:tn val="2"/>
+                        </p:cond>
+                      </p:stCondLst>
+                      <p:childTnLst>
+                        <p:par>
+                          <p:cTn id="4" fill="hold">
+                            <p:stCondLst>
+                              <p:cond delay="0"/>
+                            </p:stCondLst>
+                            <p:childTnLst>
+                              <p:par>
+                                <p:cTn id="5" presetID="1" presetClass="mediacall" presetSubtype="0" fill="hold" nodeType="afterEffect">
+                                  <p:stCondLst>
+                                    <p:cond delay="0"/>
+                                  </p:stCondLst>
+                                  <p:childTnLst>
+                                    <p:cmd type="call" cmd="playFrom(0.0)">
+                                      <p:cBhvr>
+                                        <p:cTn id="6" dur="1" fill="hold"/>
+                                        <p:tgtEl>
+                                          <p:spTgt spid="4"/>
+                                        </p:tgtEl>
+                                      </p:cBhvr>
+                                    </p:cmd>
+                                  </p:childTnLst>
+                                </p:cTn>
+                              </p:par>
+                            </p:childTnLst>
+                          </p:cTn>
+                        </p:par>
+                      </p:childTnLst>
+                    </p:cTn>
+                  </p:par>
+                </p:childTnLst>
+              </p:cTn>
+              <p:prevCondLst>
+                <p:cond evt="onPrev" delay="0">
+                  <p:tgtEl>
+                    <p:sldTgt/>
+                  </p:tgtEl>
+                </p:cond>
+              </p:prevCondLst>
+              <p:nextCondLst>
+                <p:cond evt="onNext" delay="0">
+                  <p:tgtEl>
+                    <p:sldTgt/>
+                  </p:tgtEl>
+                </p:cond>
+              </p:nextCondLst>
+            </p:seq>
+            <p:video>
+              <p:cMediaNode>
+                <p:cTn id="7" fill="hold" display="0">
+                  <p:stCondLst>
+                    <p:cond delay="indefinite"/>
+                  </p:stCondLst>
+                  <p:endCondLst>
+                    <p:cond evt="onNext" delay="0">
+                      <p:tgtEl>
+                        <p:sldTgt/>
+                      </p:tgtEl>
+                    </p:cond>
+                    <p:cond evt="onPrev" delay="0">
+                      <p:tgtEl>
+                        <p:sldTgt/>
+                      </p:tgtEl>
+                    </p:cond>
+                  </p:endCondLst>
+                </p:cTn>
+                <p:tgtEl>
+                  <p:spTgt spid="4"/>
+                </p:tgtEl>
+              </p:cMediaNode>
+            </p:video>
+            <p:seq concurrent="1" nextAc="seek">
+              <p:cTn id="8" restart="whenNotActive" fill="hold" evtFilter="cancelBubble" nodeType="interactiveSeq">
+                <p:stCondLst>
+                  <p:cond evt="onClick" delay="0">
+                    <p:tgtEl>
+                      <p:spTgt spid="4"/>
+                    </p:tgtEl>
+                  </p:cond>
+                </p:stCondLst>
+                <p:endSync evt="end" delay="0">
+                  <p:rtn val="all"/>
+                </p:endSync>
+                <p:childTnLst>
+                  <p:par>
+                    <p:cTn id="9" fill="hold">
+                      <p:stCondLst>
+                        <p:cond delay="0"/>
+                      </p:stCondLst>
+                      <p:childTnLst>
+                        <p:par>
+                          <p:cTn id="10" fill="hold">
+                            <p:stCondLst>
+                              <p:cond delay="0"/>
+                            </p:stCondLst>
+                            <p:childTnLst>
+                              <p:par>
+                                <p:cTn id="11" presetID="2" presetClass="mediacall" presetSubtype="0" fill="hold" nodeType="clickEffect">
+                                  <p:stCondLst>
+                                    <p:cond delay="0"/>
+                                  </p:stCondLst>
+                                  <p:childTnLst>
+                                    <p:cmd type="call" cmd="togglePause">
+                                      <p:cBhvr>
+                                        <p:cTn id="12" dur="1" fill="hold"/>
+                                        <p:tgtEl>
+                                          <p:spTgt spid="4"/>
+                                        </p:tgtEl>
+                                      </p:cBhvr>
+                                    </p:cmd>
+                                  </p:childTnLst>
+                                </p:cTn>
+                              </p:par>
+                            </p:childTnLst>
+                          </p:cTn>
+                        </p:par>
+                      </p:childTnLst>
+                    </p:cTn>
+                  </p:par>
+                </p:childTnLst>
+              </p:cTn>
+              <p:nextCondLst>
+                <p:cond evt="onClick" delay="0">
+                  <p:tgtEl>
+                    <p:spTgt spid="4"/>
+                  </p:tgtEl>
+                </p:cond>
+              </p:nextCondLst>
+            </p:seq>
+          </p:childTnLst>
+        </p:cTn>
+      </p:par>
+    </p:tnLst>
+  </p:timing>
 </p:sld>
 </file>
 
@@ -4127,10 +4328,437 @@
             <p:ph type="title"/>
           </p:nvPr>
         </p:nvSpPr>
+        <p:spPr/>
+        <p:txBody>
+          <a:bodyPr/>
+          <a:lstStyle/>
+          <a:p>
+            <a:endParaRPr lang="ru-RU"/>
+          </a:p>
+        </p:txBody>
+      </p:sp>
+      <p:pic>
+        <p:nvPicPr>
+          <p:cNvPr id="4" name="ScreenRecorderProject2.mkv">
+            <a:hlinkClick r:id="" action="ppaction://media"/>
+          </p:cNvPr>
+          <p:cNvPicPr>
+            <a:picLocks noGrp="1" noRot="1" noChangeAspect="1"/>
+          </p:cNvPicPr>
+          <p:nvPr>
+            <p:ph idx="1"/>
+            <a:videoFile r:link="rId1"/>
+          </p:nvPr>
+        </p:nvPicPr>
+        <p:blipFill>
+          <a:blip r:embed="rId3" cstate="print"/>
+          <a:stretch>
+            <a:fillRect/>
+          </a:stretch>
+        </p:blipFill>
+        <p:spPr>
+          <a:xfrm>
+            <a:off x="0" y="0"/>
+            <a:ext cx="9144000" cy="6858000"/>
+          </a:xfrm>
+          <a:prstGeom prst="rect">
+            <a:avLst/>
+          </a:prstGeom>
+        </p:spPr>
+      </p:pic>
+    </p:spTree>
+  </p:cSld>
+  <p:clrMapOvr>
+    <a:masterClrMapping/>
+  </p:clrMapOvr>
+  <p:timing>
+    <p:tnLst>
+      <p:par>
+        <p:cTn id="1" dur="indefinite" restart="never" nodeType="tmRoot">
+          <p:childTnLst>
+            <p:seq concurrent="1" nextAc="seek">
+              <p:cTn id="2" dur="indefinite" nodeType="mainSeq">
+                <p:childTnLst>
+                  <p:par>
+                    <p:cTn id="3" fill="hold">
+                      <p:stCondLst>
+                        <p:cond delay="indefinite"/>
+                        <p:cond evt="onBegin" delay="0">
+                          <p:tn val="2"/>
+                        </p:cond>
+                      </p:stCondLst>
+                      <p:childTnLst>
+                        <p:par>
+                          <p:cTn id="4" fill="hold">
+                            <p:stCondLst>
+                              <p:cond delay="0"/>
+                            </p:stCondLst>
+                            <p:childTnLst>
+                              <p:par>
+                                <p:cTn id="5" presetID="1" presetClass="mediacall" presetSubtype="0" fill="hold" nodeType="afterEffect">
+                                  <p:stCondLst>
+                                    <p:cond delay="0"/>
+                                  </p:stCondLst>
+                                  <p:childTnLst>
+                                    <p:cmd type="call" cmd="playFrom(0.0)">
+                                      <p:cBhvr>
+                                        <p:cTn id="6" dur="1" fill="hold"/>
+                                        <p:tgtEl>
+                                          <p:spTgt spid="4"/>
+                                        </p:tgtEl>
+                                      </p:cBhvr>
+                                    </p:cmd>
+                                  </p:childTnLst>
+                                </p:cTn>
+                              </p:par>
+                            </p:childTnLst>
+                          </p:cTn>
+                        </p:par>
+                      </p:childTnLst>
+                    </p:cTn>
+                  </p:par>
+                </p:childTnLst>
+              </p:cTn>
+              <p:prevCondLst>
+                <p:cond evt="onPrev" delay="0">
+                  <p:tgtEl>
+                    <p:sldTgt/>
+                  </p:tgtEl>
+                </p:cond>
+              </p:prevCondLst>
+              <p:nextCondLst>
+                <p:cond evt="onNext" delay="0">
+                  <p:tgtEl>
+                    <p:sldTgt/>
+                  </p:tgtEl>
+                </p:cond>
+              </p:nextCondLst>
+            </p:seq>
+            <p:video>
+              <p:cMediaNode>
+                <p:cTn id="7" fill="hold" display="0">
+                  <p:stCondLst>
+                    <p:cond delay="indefinite"/>
+                  </p:stCondLst>
+                  <p:endCondLst>
+                    <p:cond evt="onNext" delay="0">
+                      <p:tgtEl>
+                        <p:sldTgt/>
+                      </p:tgtEl>
+                    </p:cond>
+                    <p:cond evt="onPrev" delay="0">
+                      <p:tgtEl>
+                        <p:sldTgt/>
+                      </p:tgtEl>
+                    </p:cond>
+                  </p:endCondLst>
+                </p:cTn>
+                <p:tgtEl>
+                  <p:spTgt spid="4"/>
+                </p:tgtEl>
+              </p:cMediaNode>
+            </p:video>
+            <p:seq concurrent="1" nextAc="seek">
+              <p:cTn id="8" restart="whenNotActive" fill="hold" evtFilter="cancelBubble" nodeType="interactiveSeq">
+                <p:stCondLst>
+                  <p:cond evt="onClick" delay="0">
+                    <p:tgtEl>
+                      <p:spTgt spid="4"/>
+                    </p:tgtEl>
+                  </p:cond>
+                </p:stCondLst>
+                <p:endSync evt="end" delay="0">
+                  <p:rtn val="all"/>
+                </p:endSync>
+                <p:childTnLst>
+                  <p:par>
+                    <p:cTn id="9" fill="hold">
+                      <p:stCondLst>
+                        <p:cond delay="0"/>
+                      </p:stCondLst>
+                      <p:childTnLst>
+                        <p:par>
+                          <p:cTn id="10" fill="hold">
+                            <p:stCondLst>
+                              <p:cond delay="0"/>
+                            </p:stCondLst>
+                            <p:childTnLst>
+                              <p:par>
+                                <p:cTn id="11" presetID="2" presetClass="mediacall" presetSubtype="0" fill="hold" nodeType="clickEffect">
+                                  <p:stCondLst>
+                                    <p:cond delay="0"/>
+                                  </p:stCondLst>
+                                  <p:childTnLst>
+                                    <p:cmd type="call" cmd="togglePause">
+                                      <p:cBhvr>
+                                        <p:cTn id="12" dur="1" fill="hold"/>
+                                        <p:tgtEl>
+                                          <p:spTgt spid="4"/>
+                                        </p:tgtEl>
+                                      </p:cBhvr>
+                                    </p:cmd>
+                                  </p:childTnLst>
+                                </p:cTn>
+                              </p:par>
+                            </p:childTnLst>
+                          </p:cTn>
+                        </p:par>
+                      </p:childTnLst>
+                    </p:cTn>
+                  </p:par>
+                </p:childTnLst>
+              </p:cTn>
+              <p:nextCondLst>
+                <p:cond evt="onClick" delay="0">
+                  <p:tgtEl>
+                    <p:spTgt spid="4"/>
+                  </p:tgtEl>
+                </p:cond>
+              </p:nextCondLst>
+            </p:seq>
+          </p:childTnLst>
+        </p:cTn>
+      </p:par>
+    </p:tnLst>
+  </p:timing>
+</p:sld>
+</file>
+
+<file path=ppt/slides/slide7.xml><?xml version="1.0" encoding="utf-8"?>
+<p:sld xmlns:a="http://schemas.openxmlformats.org/drawingml/2006/main" xmlns:r="http://schemas.openxmlformats.org/officeDocument/2006/relationships" xmlns:p="http://schemas.openxmlformats.org/presentationml/2006/main">
+  <p:cSld>
+    <p:spTree>
+      <p:nvGrpSpPr>
+        <p:cNvPr id="1" name=""/>
+        <p:cNvGrpSpPr/>
+        <p:nvPr/>
+      </p:nvGrpSpPr>
+      <p:grpSpPr>
+        <a:xfrm>
+          <a:off x="0" y="0"/>
+          <a:ext cx="0" cy="0"/>
+          <a:chOff x="0" y="0"/>
+          <a:chExt cx="0" cy="0"/>
+        </a:xfrm>
+      </p:grpSpPr>
+      <p:pic>
+        <p:nvPicPr>
+          <p:cNvPr id="4" name="ScreenRecorderProject3.mkv">
+            <a:hlinkClick r:id="" action="ppaction://media"/>
+          </p:cNvPr>
+          <p:cNvPicPr>
+            <a:picLocks noGrp="1" noRot="1" noChangeAspect="1"/>
+          </p:cNvPicPr>
+          <p:nvPr>
+            <p:ph idx="1"/>
+            <a:videoFile r:link="rId1"/>
+          </p:nvPr>
+        </p:nvPicPr>
+        <p:blipFill>
+          <a:blip r:embed="rId3" cstate="print"/>
+          <a:stretch>
+            <a:fillRect/>
+          </a:stretch>
+        </p:blipFill>
+        <p:spPr>
+          <a:xfrm>
+            <a:off x="0" y="0"/>
+            <a:ext cx="9144000" cy="6858000"/>
+          </a:xfrm>
+          <a:prstGeom prst="rect">
+            <a:avLst/>
+          </a:prstGeom>
+        </p:spPr>
+      </p:pic>
+    </p:spTree>
+  </p:cSld>
+  <p:clrMapOvr>
+    <a:masterClrMapping/>
+  </p:clrMapOvr>
+  <p:timing>
+    <p:tnLst>
+      <p:par>
+        <p:cTn id="1" dur="indefinite" restart="never" nodeType="tmRoot">
+          <p:childTnLst>
+            <p:seq concurrent="1" nextAc="seek">
+              <p:cTn id="2" dur="indefinite" nodeType="mainSeq">
+                <p:childTnLst>
+                  <p:par>
+                    <p:cTn id="3" fill="hold">
+                      <p:stCondLst>
+                        <p:cond delay="indefinite"/>
+                        <p:cond evt="onBegin" delay="0">
+                          <p:tn val="2"/>
+                        </p:cond>
+                      </p:stCondLst>
+                      <p:childTnLst>
+                        <p:par>
+                          <p:cTn id="4" fill="hold">
+                            <p:stCondLst>
+                              <p:cond delay="0"/>
+                            </p:stCondLst>
+                            <p:childTnLst>
+                              <p:par>
+                                <p:cTn id="5" presetID="1" presetClass="mediacall" presetSubtype="0" fill="hold" nodeType="afterEffect">
+                                  <p:stCondLst>
+                                    <p:cond delay="0"/>
+                                  </p:stCondLst>
+                                  <p:childTnLst>
+                                    <p:cmd type="call" cmd="playFrom(0.0)">
+                                      <p:cBhvr>
+                                        <p:cTn id="6" dur="1" fill="hold"/>
+                                        <p:tgtEl>
+                                          <p:spTgt spid="4"/>
+                                        </p:tgtEl>
+                                      </p:cBhvr>
+                                    </p:cmd>
+                                  </p:childTnLst>
+                                </p:cTn>
+                              </p:par>
+                            </p:childTnLst>
+                          </p:cTn>
+                        </p:par>
+                      </p:childTnLst>
+                    </p:cTn>
+                  </p:par>
+                </p:childTnLst>
+              </p:cTn>
+              <p:prevCondLst>
+                <p:cond evt="onPrev" delay="0">
+                  <p:tgtEl>
+                    <p:sldTgt/>
+                  </p:tgtEl>
+                </p:cond>
+              </p:prevCondLst>
+              <p:nextCondLst>
+                <p:cond evt="onNext" delay="0">
+                  <p:tgtEl>
+                    <p:sldTgt/>
+                  </p:tgtEl>
+                </p:cond>
+              </p:nextCondLst>
+            </p:seq>
+            <p:video>
+              <p:cMediaNode>
+                <p:cTn id="7" fill="hold" display="0">
+                  <p:stCondLst>
+                    <p:cond delay="indefinite"/>
+                  </p:stCondLst>
+                  <p:endCondLst>
+                    <p:cond evt="onNext" delay="0">
+                      <p:tgtEl>
+                        <p:sldTgt/>
+                      </p:tgtEl>
+                    </p:cond>
+                    <p:cond evt="onPrev" delay="0">
+                      <p:tgtEl>
+                        <p:sldTgt/>
+                      </p:tgtEl>
+                    </p:cond>
+                  </p:endCondLst>
+                </p:cTn>
+                <p:tgtEl>
+                  <p:spTgt spid="4"/>
+                </p:tgtEl>
+              </p:cMediaNode>
+            </p:video>
+            <p:seq concurrent="1" nextAc="seek">
+              <p:cTn id="8" restart="whenNotActive" fill="hold" evtFilter="cancelBubble" nodeType="interactiveSeq">
+                <p:stCondLst>
+                  <p:cond evt="onClick" delay="0">
+                    <p:tgtEl>
+                      <p:spTgt spid="4"/>
+                    </p:tgtEl>
+                  </p:cond>
+                </p:stCondLst>
+                <p:endSync evt="end" delay="0">
+                  <p:rtn val="all"/>
+                </p:endSync>
+                <p:childTnLst>
+                  <p:par>
+                    <p:cTn id="9" fill="hold">
+                      <p:stCondLst>
+                        <p:cond delay="0"/>
+                      </p:stCondLst>
+                      <p:childTnLst>
+                        <p:par>
+                          <p:cTn id="10" fill="hold">
+                            <p:stCondLst>
+                              <p:cond delay="0"/>
+                            </p:stCondLst>
+                            <p:childTnLst>
+                              <p:par>
+                                <p:cTn id="11" presetID="2" presetClass="mediacall" presetSubtype="0" fill="hold" nodeType="clickEffect">
+                                  <p:stCondLst>
+                                    <p:cond delay="0"/>
+                                  </p:stCondLst>
+                                  <p:childTnLst>
+                                    <p:cmd type="call" cmd="togglePause">
+                                      <p:cBhvr>
+                                        <p:cTn id="12" dur="1" fill="hold"/>
+                                        <p:tgtEl>
+                                          <p:spTgt spid="4"/>
+                                        </p:tgtEl>
+                                      </p:cBhvr>
+                                    </p:cmd>
+                                  </p:childTnLst>
+                                </p:cTn>
+                              </p:par>
+                            </p:childTnLst>
+                          </p:cTn>
+                        </p:par>
+                      </p:childTnLst>
+                    </p:cTn>
+                  </p:par>
+                </p:childTnLst>
+              </p:cTn>
+              <p:nextCondLst>
+                <p:cond evt="onClick" delay="0">
+                  <p:tgtEl>
+                    <p:spTgt spid="4"/>
+                  </p:tgtEl>
+                </p:cond>
+              </p:nextCondLst>
+            </p:seq>
+          </p:childTnLst>
+        </p:cTn>
+      </p:par>
+    </p:tnLst>
+  </p:timing>
+</p:sld>
+</file>
+
+<file path=ppt/slides/slide8.xml><?xml version="1.0" encoding="utf-8"?>
+<p:sld xmlns:a="http://schemas.openxmlformats.org/drawingml/2006/main" xmlns:r="http://schemas.openxmlformats.org/officeDocument/2006/relationships" xmlns:p="http://schemas.openxmlformats.org/presentationml/2006/main">
+  <p:cSld>
+    <p:spTree>
+      <p:nvGrpSpPr>
+        <p:cNvPr id="1" name=""/>
+        <p:cNvGrpSpPr/>
+        <p:nvPr/>
+      </p:nvGrpSpPr>
+      <p:grpSpPr>
+        <a:xfrm>
+          <a:off x="0" y="0"/>
+          <a:ext cx="0" cy="0"/>
+          <a:chOff x="0" y="0"/>
+          <a:chExt cx="0" cy="0"/>
+        </a:xfrm>
+      </p:grpSpPr>
+      <p:sp>
+        <p:nvSpPr>
+          <p:cNvPr id="2" name="Заголовок 1"/>
+          <p:cNvSpPr>
+            <a:spLocks noGrp="1"/>
+          </p:cNvSpPr>
+          <p:nvPr>
+            <p:ph type="title"/>
+          </p:nvPr>
+        </p:nvSpPr>
         <p:spPr>
           <a:xfrm>
             <a:off x="755576" y="404664"/>
-            <a:ext cx="5400600" cy="5184576"/>
+            <a:ext cx="5400600" cy="4320480"/>
           </a:xfrm>
         </p:spPr>
         <p:txBody>
@@ -4175,8 +4803,8 @@
         </p:blipFill>
         <p:spPr bwMode="auto">
           <a:xfrm>
-            <a:off x="6156176" y="620688"/>
-            <a:ext cx="2542592" cy="5085184"/>
+            <a:off x="6012160" y="692696"/>
+            <a:ext cx="2736304" cy="5472608"/>
           </a:xfrm>
           <a:prstGeom prst="rect">
             <a:avLst/>
@@ -4184,11 +4812,94 @@
           <a:noFill/>
         </p:spPr>
       </p:pic>
+      <p:sp>
+        <p:nvSpPr>
+          <p:cNvPr id="4" name="TextBox 3"/>
+          <p:cNvSpPr txBox="1"/>
+          <p:nvPr/>
+        </p:nvSpPr>
+        <p:spPr>
+          <a:xfrm>
+            <a:off x="1043608" y="4653136"/>
+            <a:ext cx="4104456" cy="923330"/>
+          </a:xfrm>
+          <a:prstGeom prst="rect">
+            <a:avLst/>
+          </a:prstGeom>
+          <a:noFill/>
+        </p:spPr>
+        <p:txBody>
+          <a:bodyPr wrap="square" rtlCol="0">
+            <a:spAutoFit/>
+          </a:bodyPr>
+          <a:lstStyle/>
+          <a:p>
+            <a:r>
+              <a:rPr lang="ru-RU" dirty="0" smtClean="0">
+                <a:solidFill>
+                  <a:schemeClr val="bg1"/>
+                </a:solidFill>
+              </a:rPr>
+              <a:t>Ссылка на </a:t>
+            </a:r>
+            <a:r>
+              <a:rPr lang="en-US" dirty="0" err="1" smtClean="0">
+                <a:solidFill>
+                  <a:schemeClr val="bg1"/>
+                </a:solidFill>
+              </a:rPr>
+              <a:t>GitHub</a:t>
+            </a:r>
+            <a:endParaRPr lang="en-US" dirty="0" smtClean="0">
+              <a:solidFill>
+                <a:schemeClr val="bg1"/>
+              </a:solidFill>
+            </a:endParaRPr>
+          </a:p>
+          <a:p>
+            <a:endParaRPr lang="en-US" dirty="0" smtClean="0">
+              <a:solidFill>
+                <a:schemeClr val="bg1"/>
+              </a:solidFill>
+            </a:endParaRPr>
+          </a:p>
+          <a:p>
+            <a:r>
+              <a:rPr lang="en-US" dirty="0" smtClean="0">
+                <a:solidFill>
+                  <a:schemeClr val="bg1"/>
+                </a:solidFill>
+              </a:rPr>
+              <a:t>https</a:t>
+            </a:r>
+            <a:r>
+              <a:rPr lang="en-US" dirty="0" smtClean="0">
+                <a:solidFill>
+                  <a:schemeClr val="bg1"/>
+                </a:solidFill>
+              </a:rPr>
+              <a:t>://github.com/Aakire/final</a:t>
+            </a:r>
+            <a:endParaRPr lang="ru-RU" dirty="0">
+              <a:solidFill>
+                <a:schemeClr val="bg1"/>
+              </a:solidFill>
+            </a:endParaRPr>
+          </a:p>
+        </p:txBody>
+      </p:sp>
     </p:spTree>
   </p:cSld>
   <p:clrMapOvr>
     <a:masterClrMapping/>
   </p:clrMapOvr>
+  <p:timing>
+    <p:tnLst>
+      <p:par>
+        <p:cTn id="1" dur="indefinite" restart="never" nodeType="tmRoot"/>
+      </p:par>
+    </p:tnLst>
+  </p:timing>
 </p:sld>
 </file>
 

--- a/Файлы к аттестации/Итоговый проект.pptx
+++ b/Файлы к аттестации/Итоговый проект.pptx
@@ -4096,7 +4096,7 @@
       </p:grpSpPr>
       <p:pic>
         <p:nvPicPr>
-          <p:cNvPr id="4" name="ScreenRecorderProject1.mkv">
+          <p:cNvPr id="7" name="ScreenRecorderProject1.mkv">
             <a:hlinkClick r:id="" action="ppaction://media"/>
           </p:cNvPr>
           <p:cNvPicPr>
@@ -4123,25 +4123,6 @@
           </a:prstGeom>
         </p:spPr>
       </p:pic>
-      <p:sp>
-        <p:nvSpPr>
-          <p:cNvPr id="5" name="Заголовок 4"/>
-          <p:cNvSpPr>
-            <a:spLocks noGrp="1"/>
-          </p:cNvSpPr>
-          <p:nvPr>
-            <p:ph type="title"/>
-          </p:nvPr>
-        </p:nvSpPr>
-        <p:spPr/>
-        <p:txBody>
-          <a:bodyPr/>
-          <a:lstStyle/>
-          <a:p>
-            <a:endParaRPr lang="ru-RU"/>
-          </a:p>
-        </p:txBody>
-      </p:sp>
     </p:spTree>
   </p:cSld>
   <p:clrMapOvr>
@@ -4181,7 +4162,7 @@
                                       <p:cBhvr>
                                         <p:cTn id="6" dur="1" fill="hold"/>
                                         <p:tgtEl>
-                                          <p:spTgt spid="4"/>
+                                          <p:spTgt spid="7"/>
                                         </p:tgtEl>
                                       </p:cBhvr>
                                     </p:cmd>
@@ -4231,7 +4212,7 @@
                   </p:endCondLst>
                 </p:cTn>
                 <p:tgtEl>
-                  <p:spTgt spid="4"/>
+                  <p:spTgt spid="7"/>
                 </p:tgtEl>
               </p:cMediaNode>
             </p:video>
@@ -4240,7 +4221,7 @@
                 <p:stCondLst>
                   <p:cond evt="onClick" delay="0">
                     <p:tgtEl>
-                      <p:spTgt spid="4"/>
+                      <p:spTgt spid="7"/>
                     </p:tgtEl>
                   </p:cond>
                 </p:stCondLst>
@@ -4270,7 +4251,7 @@
                                       <p:cBhvr>
                                         <p:cTn id="12" dur="1" fill="hold"/>
                                         <p:tgtEl>
-                                          <p:spTgt spid="4"/>
+                                          <p:spTgt spid="7"/>
                                         </p:tgtEl>
                                       </p:cBhvr>
                                     </p:cmd>
@@ -4288,7 +4269,7 @@
               <p:nextCondLst>
                 <p:cond evt="onClick" delay="0">
                   <p:tgtEl>
-                    <p:spTgt spid="4"/>
+                    <p:spTgt spid="7"/>
                   </p:tgtEl>
                 </p:cond>
               </p:nextCondLst>
@@ -4318,28 +4299,9 @@
           <a:chExt cx="0" cy="0"/>
         </a:xfrm>
       </p:grpSpPr>
-      <p:sp>
-        <p:nvSpPr>
-          <p:cNvPr id="2" name="Заголовок 1"/>
-          <p:cNvSpPr>
-            <a:spLocks noGrp="1"/>
-          </p:cNvSpPr>
-          <p:nvPr>
-            <p:ph type="title"/>
-          </p:nvPr>
-        </p:nvSpPr>
-        <p:spPr/>
-        <p:txBody>
-          <a:bodyPr/>
-          <a:lstStyle/>
-          <a:p>
-            <a:endParaRPr lang="ru-RU"/>
-          </a:p>
-        </p:txBody>
-      </p:sp>
       <p:pic>
         <p:nvPicPr>
-          <p:cNvPr id="4" name="ScreenRecorderProject2.mkv">
+          <p:cNvPr id="6" name="ScreenRecorderProject2.mkv">
             <a:hlinkClick r:id="" action="ppaction://media"/>
           </p:cNvPr>
           <p:cNvPicPr>
@@ -4404,7 +4366,7 @@
                                       <p:cBhvr>
                                         <p:cTn id="6" dur="1" fill="hold"/>
                                         <p:tgtEl>
-                                          <p:spTgt spid="4"/>
+                                          <p:spTgt spid="6"/>
                                         </p:tgtEl>
                                       </p:cBhvr>
                                     </p:cmd>
@@ -4454,7 +4416,7 @@
                   </p:endCondLst>
                 </p:cTn>
                 <p:tgtEl>
-                  <p:spTgt spid="4"/>
+                  <p:spTgt spid="6"/>
                 </p:tgtEl>
               </p:cMediaNode>
             </p:video>
@@ -4463,7 +4425,7 @@
                 <p:stCondLst>
                   <p:cond evt="onClick" delay="0">
                     <p:tgtEl>
-                      <p:spTgt spid="4"/>
+                      <p:spTgt spid="6"/>
                     </p:tgtEl>
                   </p:cond>
                 </p:stCondLst>
@@ -4493,7 +4455,7 @@
                                       <p:cBhvr>
                                         <p:cTn id="12" dur="1" fill="hold"/>
                                         <p:tgtEl>
-                                          <p:spTgt spid="4"/>
+                                          <p:spTgt spid="6"/>
                                         </p:tgtEl>
                                       </p:cBhvr>
                                     </p:cmd>
@@ -4511,7 +4473,7 @@
               <p:nextCondLst>
                 <p:cond evt="onClick" delay="0">
                   <p:tgtEl>
-                    <p:spTgt spid="4"/>
+                    <p:spTgt spid="6"/>
                   </p:tgtEl>
                 </p:cond>
               </p:nextCondLst>
@@ -4543,7 +4505,7 @@
       </p:grpSpPr>
       <p:pic>
         <p:nvPicPr>
-          <p:cNvPr id="4" name="ScreenRecorderProject3.mkv">
+          <p:cNvPr id="13" name="ScreenRecorderProject3.mkv">
             <a:hlinkClick r:id="" action="ppaction://media"/>
           </p:cNvPr>
           <p:cNvPicPr>
@@ -4608,7 +4570,7 @@
                                       <p:cBhvr>
                                         <p:cTn id="6" dur="1" fill="hold"/>
                                         <p:tgtEl>
-                                          <p:spTgt spid="4"/>
+                                          <p:spTgt spid="13"/>
                                         </p:tgtEl>
                                       </p:cBhvr>
                                     </p:cmd>
@@ -4658,7 +4620,7 @@
                   </p:endCondLst>
                 </p:cTn>
                 <p:tgtEl>
-                  <p:spTgt spid="4"/>
+                  <p:spTgt spid="13"/>
                 </p:tgtEl>
               </p:cMediaNode>
             </p:video>
@@ -4667,7 +4629,7 @@
                 <p:stCondLst>
                   <p:cond evt="onClick" delay="0">
                     <p:tgtEl>
-                      <p:spTgt spid="4"/>
+                      <p:spTgt spid="13"/>
                     </p:tgtEl>
                   </p:cond>
                 </p:stCondLst>
@@ -4697,7 +4659,7 @@
                                       <p:cBhvr>
                                         <p:cTn id="12" dur="1" fill="hold"/>
                                         <p:tgtEl>
-                                          <p:spTgt spid="4"/>
+                                          <p:spTgt spid="13"/>
                                         </p:tgtEl>
                                       </p:cBhvr>
                                     </p:cmd>
@@ -4715,7 +4677,7 @@
               <p:nextCondLst>
                 <p:cond evt="onClick" delay="0">
                   <p:tgtEl>
-                    <p:spTgt spid="4"/>
+                    <p:spTgt spid="13"/>
                   </p:tgtEl>
                 </p:cond>
               </p:nextCondLst>
@@ -4870,15 +4832,7 @@
                   <a:schemeClr val="bg1"/>
                 </a:solidFill>
               </a:rPr>
-              <a:t>https</a:t>
-            </a:r>
-            <a:r>
-              <a:rPr lang="en-US" dirty="0" smtClean="0">
-                <a:solidFill>
-                  <a:schemeClr val="bg1"/>
-                </a:solidFill>
-              </a:rPr>
-              <a:t>://github.com/Aakire/final</a:t>
+              <a:t>https://github.com/Aakire/final</a:t>
             </a:r>
             <a:endParaRPr lang="ru-RU" dirty="0">
               <a:solidFill>
